--- a/luna_mobile/integration_test/testAssets/A red line.pptx
+++ b/luna_mobile/integration_test/testAssets/A red line.pptx
@@ -261,7 +261,7 @@
       <p15:notesGuideLst xmlns:p15="http://schemas.microsoft.com/office/powerpoint/2012/main"/>
     </p:ext>
     <p:ext uri="GoogleSlidesCustomDataVersion2">
-      <go:slidesCustomData xmlns="" xmlns:mc="http://schemas.openxmlformats.org/markup-compatibility/2006" xmlns:mv="urn:schemas-microsoft-com:mac:vml" xmlns:c="http://schemas.openxmlformats.org/drawingml/2006/chart" xmlns:dgm="http://schemas.openxmlformats.org/drawingml/2006/diagram" xmlns:o="urn:schemas-microsoft-com:office:office" xmlns:v="urn:schemas-microsoft-com:vml" xmlns:pvml="urn:schemas-microsoft-com:office:powerpoint" xmlns:com="http://schemas.openxmlformats.org/drawingml/2006/compatibility" xmlns:p14="http://schemas.microsoft.com/office/powerpoint/2010/main" xmlns:p15="http://schemas.microsoft.com/office/powerpoint/2012/main" xmlns:ahyp="http://schemas.microsoft.com/office/drawing/2018/hyperlinkcolor" xmlns:go="http://customooxmlschemas.google.com/" r:id="rId88" roundtripDataSignature="AMtx7mj+HxEERLloKJCJZXYw/la0JCzbug=="/>
+      <go:slidesCustomData xmlns:go="http://customooxmlschemas.google.com/" xmlns:ahyp="http://schemas.microsoft.com/office/drawing/2018/hyperlinkcolor" xmlns:p15="http://schemas.microsoft.com/office/powerpoint/2012/main" xmlns:p14="http://schemas.microsoft.com/office/powerpoint/2010/main" xmlns:com="http://schemas.openxmlformats.org/drawingml/2006/compatibility" xmlns:pvml="urn:schemas-microsoft-com:office:powerpoint" xmlns:v="urn:schemas-microsoft-com:vml" xmlns:o="urn:schemas-microsoft-com:office:office" xmlns:dgm="http://schemas.openxmlformats.org/drawingml/2006/diagram" xmlns:c="http://schemas.openxmlformats.org/drawingml/2006/chart" xmlns:mv="urn:schemas-microsoft-com:mac:vml" xmlns:mc="http://schemas.openxmlformats.org/markup-compatibility/2006" xmlns="" r:id="rId88" roundtripDataSignature="AMtx7mj+HxEERLloKJCJZXYw/la0JCzbug=="/>
     </p:ext>
   </p:extLst>
 </p:presentation>
@@ -369,7 +369,7 @@
           <a:p>
             <a:fld id="{F393C56E-FA21-41A4-87CD-D7B62459BC58}" type="datetimeFigureOut">
               <a:rPr lang="en-US" smtClean="0"/>
-              <a:t>4/20/2025</a:t>
+              <a:t>4/24/25</a:t>
             </a:fld>
             <a:endParaRPr lang="en-US"/>
           </a:p>
@@ -12134,1222 +12134,6 @@
           <a:chExt cx="0" cy="0"/>
         </a:xfrm>
       </p:grpSpPr>
-      <p:pic>
-        <p:nvPicPr>
-          <p:cNvPr id="2" name="Picture 1" descr="{luna top_system_bar}">
-            <a:extLst>
-              <a:ext uri="{FF2B5EF4-FFF2-40B4-BE49-F238E27FC236}">
-                <a16:creationId xmlns:a16="http://schemas.microsoft.com/office/drawing/2014/main" id="{1D614642-2BF7-4FF4-3502-3FCE083909F8}"/>
-              </a:ext>
-            </a:extLst>
-          </p:cNvPr>
-          <p:cNvPicPr>
-            <a:picLocks noChangeAspect="1"/>
-          </p:cNvPicPr>
-          <p:nvPr userDrawn="1"/>
-        </p:nvPicPr>
-        <p:blipFill rotWithShape="1">
-          <a:blip r:embed="rId19"/>
-          <a:srcRect b="96291"/>
-          <a:stretch/>
-        </p:blipFill>
-        <p:spPr>
-          <a:xfrm>
-            <a:off x="0" y="1828"/>
-            <a:ext cx="4114800" cy="271222"/>
-          </a:xfrm>
-          <a:prstGeom prst="rect">
-            <a:avLst/>
-          </a:prstGeom>
-        </p:spPr>
-      </p:pic>
-      <p:sp>
-        <p:nvSpPr>
-          <p:cNvPr id="3" name="Rectangle 2" descr="{luna left_padding}">
-            <a:extLst>
-              <a:ext uri="{FF2B5EF4-FFF2-40B4-BE49-F238E27FC236}">
-                <a16:creationId xmlns:a16="http://schemas.microsoft.com/office/drawing/2014/main" id="{56A137AD-3617-F155-ACF6-803C92E15436}"/>
-              </a:ext>
-            </a:extLst>
-          </p:cNvPr>
-          <p:cNvSpPr/>
-          <p:nvPr userDrawn="1"/>
-        </p:nvSpPr>
-        <p:spPr>
-          <a:xfrm>
-            <a:off x="0" y="273050"/>
-            <a:ext cx="178877" cy="6492240"/>
-          </a:xfrm>
-          <a:prstGeom prst="rect">
-            <a:avLst/>
-          </a:prstGeom>
-          <a:solidFill>
-            <a:schemeClr val="bg1">
-              <a:lumMod val="95000"/>
-            </a:schemeClr>
-          </a:solidFill>
-          <a:ln>
-            <a:noFill/>
-          </a:ln>
-        </p:spPr>
-        <p:style>
-          <a:lnRef idx="2">
-            <a:schemeClr val="accent1">
-              <a:shade val="15000"/>
-            </a:schemeClr>
-          </a:lnRef>
-          <a:fillRef idx="1">
-            <a:schemeClr val="accent1"/>
-          </a:fillRef>
-          <a:effectRef idx="0">
-            <a:schemeClr val="accent1"/>
-          </a:effectRef>
-          <a:fontRef idx="minor">
-            <a:schemeClr val="lt1"/>
-          </a:fontRef>
-        </p:style>
-        <p:txBody>
-          <a:bodyPr rtlCol="0" anchor="ctr"/>
-          <a:lstStyle/>
-          <a:p>
-            <a:pPr algn="ctr"/>
-            <a:endParaRPr lang="en-US" sz="1342"/>
-          </a:p>
-        </p:txBody>
-      </p:sp>
-      <p:sp>
-        <p:nvSpPr>
-          <p:cNvPr id="4" name="Rectangle 3" descr="{luna right_padding}">
-            <a:extLst>
-              <a:ext uri="{FF2B5EF4-FFF2-40B4-BE49-F238E27FC236}">
-                <a16:creationId xmlns:a16="http://schemas.microsoft.com/office/drawing/2014/main" id="{810C9F03-CDA6-EC06-1DBC-5CC6B23F29FC}"/>
-              </a:ext>
-            </a:extLst>
-          </p:cNvPr>
-          <p:cNvSpPr/>
-          <p:nvPr userDrawn="1"/>
-        </p:nvSpPr>
-        <p:spPr>
-          <a:xfrm>
-            <a:off x="3931920" y="273050"/>
-            <a:ext cx="178877" cy="6492240"/>
-          </a:xfrm>
-          <a:prstGeom prst="rect">
-            <a:avLst/>
-          </a:prstGeom>
-          <a:solidFill>
-            <a:schemeClr val="bg1">
-              <a:lumMod val="95000"/>
-            </a:schemeClr>
-          </a:solidFill>
-          <a:ln>
-            <a:noFill/>
-          </a:ln>
-        </p:spPr>
-        <p:style>
-          <a:lnRef idx="2">
-            <a:schemeClr val="accent1">
-              <a:shade val="15000"/>
-            </a:schemeClr>
-          </a:lnRef>
-          <a:fillRef idx="1">
-            <a:schemeClr val="accent1"/>
-          </a:fillRef>
-          <a:effectRef idx="0">
-            <a:schemeClr val="accent1"/>
-          </a:effectRef>
-          <a:fontRef idx="minor">
-            <a:schemeClr val="lt1"/>
-          </a:fontRef>
-        </p:style>
-        <p:txBody>
-          <a:bodyPr rtlCol="0" anchor="ctr"/>
-          <a:lstStyle/>
-          <a:p>
-            <a:pPr algn="ctr"/>
-            <a:endParaRPr lang="en-US" sz="1342"/>
-          </a:p>
-        </p:txBody>
-      </p:sp>
-      <p:sp>
-        <p:nvSpPr>
-          <p:cNvPr id="17" name="TextBox 16">
-            <a:extLst>
-              <a:ext uri="{FF2B5EF4-FFF2-40B4-BE49-F238E27FC236}">
-                <a16:creationId xmlns:a16="http://schemas.microsoft.com/office/drawing/2014/main" id="{A2887E8F-919C-A0F2-9316-933E2F93333C}"/>
-              </a:ext>
-            </a:extLst>
-          </p:cNvPr>
-          <p:cNvSpPr txBox="1"/>
-          <p:nvPr userDrawn="1"/>
-        </p:nvSpPr>
-        <p:spPr>
-          <a:xfrm>
-            <a:off x="-262305" y="345846"/>
-            <a:ext cx="242374" cy="215444"/>
-          </a:xfrm>
-          <a:prstGeom prst="rect">
-            <a:avLst/>
-          </a:prstGeom>
-          <a:noFill/>
-        </p:spPr>
-        <p:txBody>
-          <a:bodyPr wrap="none" rtlCol="0">
-            <a:spAutoFit/>
-          </a:bodyPr>
-          <a:lstStyle/>
-          <a:p>
-            <a:pPr algn="r"/>
-            <a:r>
-              <a:rPr lang="en-US" sz="800"/>
-              <a:t>5</a:t>
-            </a:r>
-          </a:p>
-        </p:txBody>
-      </p:sp>
-      <p:sp>
-        <p:nvSpPr>
-          <p:cNvPr id="18" name="TextBox 17">
-            <a:extLst>
-              <a:ext uri="{FF2B5EF4-FFF2-40B4-BE49-F238E27FC236}">
-                <a16:creationId xmlns:a16="http://schemas.microsoft.com/office/drawing/2014/main" id="{6050EFA7-B441-8CF9-A2D6-21EC602935AA}"/>
-              </a:ext>
-            </a:extLst>
-          </p:cNvPr>
-          <p:cNvSpPr txBox="1"/>
-          <p:nvPr userDrawn="1"/>
-        </p:nvSpPr>
-        <p:spPr>
-          <a:xfrm>
-            <a:off x="-320013" y="803364"/>
-            <a:ext cx="300082" cy="215444"/>
-          </a:xfrm>
-          <a:prstGeom prst="rect">
-            <a:avLst/>
-          </a:prstGeom>
-          <a:noFill/>
-        </p:spPr>
-        <p:txBody>
-          <a:bodyPr wrap="none" rtlCol="0">
-            <a:spAutoFit/>
-          </a:bodyPr>
-          <a:lstStyle/>
-          <a:p>
-            <a:pPr algn="r"/>
-            <a:r>
-              <a:rPr lang="en-US" sz="800"/>
-              <a:t>10</a:t>
-            </a:r>
-          </a:p>
-        </p:txBody>
-      </p:sp>
-      <p:cxnSp>
-        <p:nvCxnSpPr>
-          <p:cNvPr id="21" name="Straight Connector 20">
-            <a:extLst>
-              <a:ext uri="{FF2B5EF4-FFF2-40B4-BE49-F238E27FC236}">
-                <a16:creationId xmlns:a16="http://schemas.microsoft.com/office/drawing/2014/main" id="{AC52F883-C511-E534-D657-CB4D8E95C6C3}"/>
-              </a:ext>
-            </a:extLst>
-          </p:cNvPr>
-          <p:cNvCxnSpPr>
-            <a:cxnSpLocks/>
-          </p:cNvCxnSpPr>
-          <p:nvPr userDrawn="1"/>
-        </p:nvCxnSpPr>
-        <p:spPr>
-          <a:xfrm>
-            <a:off x="-106748" y="457235"/>
-            <a:ext cx="36728" cy="0"/>
-          </a:xfrm>
-          <a:prstGeom prst="line">
-            <a:avLst/>
-          </a:prstGeom>
-          <a:ln/>
-        </p:spPr>
-        <p:style>
-          <a:lnRef idx="1">
-            <a:schemeClr val="dk1"/>
-          </a:lnRef>
-          <a:fillRef idx="0">
-            <a:schemeClr val="dk1"/>
-          </a:fillRef>
-          <a:effectRef idx="0">
-            <a:schemeClr val="dk1"/>
-          </a:effectRef>
-          <a:fontRef idx="minor">
-            <a:schemeClr val="tx1"/>
-          </a:fontRef>
-        </p:style>
-      </p:cxnSp>
-      <p:cxnSp>
-        <p:nvCxnSpPr>
-          <p:cNvPr id="23" name="Straight Connector 22">
-            <a:extLst>
-              <a:ext uri="{FF2B5EF4-FFF2-40B4-BE49-F238E27FC236}">
-                <a16:creationId xmlns:a16="http://schemas.microsoft.com/office/drawing/2014/main" id="{5C821ACD-D2DC-D62B-2460-00A0B5B0EADE}"/>
-              </a:ext>
-            </a:extLst>
-          </p:cNvPr>
-          <p:cNvCxnSpPr>
-            <a:cxnSpLocks/>
-          </p:cNvCxnSpPr>
-          <p:nvPr userDrawn="1"/>
-        </p:nvCxnSpPr>
-        <p:spPr>
-          <a:xfrm>
-            <a:off x="-106748" y="914430"/>
-            <a:ext cx="36728" cy="0"/>
-          </a:xfrm>
-          <a:prstGeom prst="line">
-            <a:avLst/>
-          </a:prstGeom>
-          <a:ln/>
-        </p:spPr>
-        <p:style>
-          <a:lnRef idx="1">
-            <a:schemeClr val="dk1"/>
-          </a:lnRef>
-          <a:fillRef idx="0">
-            <a:schemeClr val="dk1"/>
-          </a:fillRef>
-          <a:effectRef idx="0">
-            <a:schemeClr val="dk1"/>
-          </a:effectRef>
-          <a:fontRef idx="minor">
-            <a:schemeClr val="tx1"/>
-          </a:fontRef>
-        </p:style>
-      </p:cxnSp>
-      <p:cxnSp>
-        <p:nvCxnSpPr>
-          <p:cNvPr id="24" name="Straight Connector 23">
-            <a:extLst>
-              <a:ext uri="{FF2B5EF4-FFF2-40B4-BE49-F238E27FC236}">
-                <a16:creationId xmlns:a16="http://schemas.microsoft.com/office/drawing/2014/main" id="{4B6281A2-EB48-C625-E97B-2D14AEB63CDB}"/>
-              </a:ext>
-            </a:extLst>
-          </p:cNvPr>
-          <p:cNvCxnSpPr>
-            <a:cxnSpLocks/>
-          </p:cNvCxnSpPr>
-          <p:nvPr userDrawn="1"/>
-        </p:nvCxnSpPr>
-        <p:spPr>
-          <a:xfrm>
-            <a:off x="-106748" y="1371625"/>
-            <a:ext cx="36728" cy="0"/>
-          </a:xfrm>
-          <a:prstGeom prst="line">
-            <a:avLst/>
-          </a:prstGeom>
-          <a:ln/>
-        </p:spPr>
-        <p:style>
-          <a:lnRef idx="1">
-            <a:schemeClr val="dk1"/>
-          </a:lnRef>
-          <a:fillRef idx="0">
-            <a:schemeClr val="dk1"/>
-          </a:fillRef>
-          <a:effectRef idx="0">
-            <a:schemeClr val="dk1"/>
-          </a:effectRef>
-          <a:fontRef idx="minor">
-            <a:schemeClr val="tx1"/>
-          </a:fontRef>
-        </p:style>
-      </p:cxnSp>
-      <p:cxnSp>
-        <p:nvCxnSpPr>
-          <p:cNvPr id="31" name="Straight Connector 30">
-            <a:extLst>
-              <a:ext uri="{FF2B5EF4-FFF2-40B4-BE49-F238E27FC236}">
-                <a16:creationId xmlns:a16="http://schemas.microsoft.com/office/drawing/2014/main" id="{A46FA31E-C3C4-F277-B612-9973594BA25D}"/>
-              </a:ext>
-            </a:extLst>
-          </p:cNvPr>
-          <p:cNvCxnSpPr>
-            <a:cxnSpLocks/>
-          </p:cNvCxnSpPr>
-          <p:nvPr userDrawn="1"/>
-        </p:nvCxnSpPr>
-        <p:spPr>
-          <a:xfrm>
-            <a:off x="-106748" y="1828820"/>
-            <a:ext cx="36728" cy="0"/>
-          </a:xfrm>
-          <a:prstGeom prst="line">
-            <a:avLst/>
-          </a:prstGeom>
-          <a:ln/>
-        </p:spPr>
-        <p:style>
-          <a:lnRef idx="1">
-            <a:schemeClr val="dk1"/>
-          </a:lnRef>
-          <a:fillRef idx="0">
-            <a:schemeClr val="dk1"/>
-          </a:fillRef>
-          <a:effectRef idx="0">
-            <a:schemeClr val="dk1"/>
-          </a:effectRef>
-          <a:fontRef idx="minor">
-            <a:schemeClr val="tx1"/>
-          </a:fontRef>
-        </p:style>
-      </p:cxnSp>
-      <p:cxnSp>
-        <p:nvCxnSpPr>
-          <p:cNvPr id="32" name="Straight Connector 31">
-            <a:extLst>
-              <a:ext uri="{FF2B5EF4-FFF2-40B4-BE49-F238E27FC236}">
-                <a16:creationId xmlns:a16="http://schemas.microsoft.com/office/drawing/2014/main" id="{4C71D5EE-2AD8-D8FB-6181-0D113451C48D}"/>
-              </a:ext>
-            </a:extLst>
-          </p:cNvPr>
-          <p:cNvCxnSpPr>
-            <a:cxnSpLocks/>
-          </p:cNvCxnSpPr>
-          <p:nvPr userDrawn="1"/>
-        </p:nvCxnSpPr>
-        <p:spPr>
-          <a:xfrm>
-            <a:off x="-106748" y="2286015"/>
-            <a:ext cx="36728" cy="0"/>
-          </a:xfrm>
-          <a:prstGeom prst="line">
-            <a:avLst/>
-          </a:prstGeom>
-          <a:ln/>
-        </p:spPr>
-        <p:style>
-          <a:lnRef idx="1">
-            <a:schemeClr val="dk1"/>
-          </a:lnRef>
-          <a:fillRef idx="0">
-            <a:schemeClr val="dk1"/>
-          </a:fillRef>
-          <a:effectRef idx="0">
-            <a:schemeClr val="dk1"/>
-          </a:effectRef>
-          <a:fontRef idx="minor">
-            <a:schemeClr val="tx1"/>
-          </a:fontRef>
-        </p:style>
-      </p:cxnSp>
-      <p:cxnSp>
-        <p:nvCxnSpPr>
-          <p:cNvPr id="33" name="Straight Connector 32">
-            <a:extLst>
-              <a:ext uri="{FF2B5EF4-FFF2-40B4-BE49-F238E27FC236}">
-                <a16:creationId xmlns:a16="http://schemas.microsoft.com/office/drawing/2014/main" id="{D99975B0-03CC-7A59-AC5C-6DB705E1902C}"/>
-              </a:ext>
-            </a:extLst>
-          </p:cNvPr>
-          <p:cNvCxnSpPr>
-            <a:cxnSpLocks/>
-          </p:cNvCxnSpPr>
-          <p:nvPr userDrawn="1"/>
-        </p:nvCxnSpPr>
-        <p:spPr>
-          <a:xfrm>
-            <a:off x="-106748" y="2743210"/>
-            <a:ext cx="36728" cy="0"/>
-          </a:xfrm>
-          <a:prstGeom prst="line">
-            <a:avLst/>
-          </a:prstGeom>
-          <a:ln/>
-        </p:spPr>
-        <p:style>
-          <a:lnRef idx="1">
-            <a:schemeClr val="dk1"/>
-          </a:lnRef>
-          <a:fillRef idx="0">
-            <a:schemeClr val="dk1"/>
-          </a:fillRef>
-          <a:effectRef idx="0">
-            <a:schemeClr val="dk1"/>
-          </a:effectRef>
-          <a:fontRef idx="minor">
-            <a:schemeClr val="tx1"/>
-          </a:fontRef>
-        </p:style>
-      </p:cxnSp>
-      <p:cxnSp>
-        <p:nvCxnSpPr>
-          <p:cNvPr id="34" name="Straight Connector 33">
-            <a:extLst>
-              <a:ext uri="{FF2B5EF4-FFF2-40B4-BE49-F238E27FC236}">
-                <a16:creationId xmlns:a16="http://schemas.microsoft.com/office/drawing/2014/main" id="{6A680FB1-EE1D-4C91-4376-7631D50E5033}"/>
-              </a:ext>
-            </a:extLst>
-          </p:cNvPr>
-          <p:cNvCxnSpPr>
-            <a:cxnSpLocks/>
-          </p:cNvCxnSpPr>
-          <p:nvPr userDrawn="1"/>
-        </p:nvCxnSpPr>
-        <p:spPr>
-          <a:xfrm>
-            <a:off x="-106748" y="3200405"/>
-            <a:ext cx="36728" cy="0"/>
-          </a:xfrm>
-          <a:prstGeom prst="line">
-            <a:avLst/>
-          </a:prstGeom>
-          <a:ln/>
-        </p:spPr>
-        <p:style>
-          <a:lnRef idx="1">
-            <a:schemeClr val="dk1"/>
-          </a:lnRef>
-          <a:fillRef idx="0">
-            <a:schemeClr val="dk1"/>
-          </a:fillRef>
-          <a:effectRef idx="0">
-            <a:schemeClr val="dk1"/>
-          </a:effectRef>
-          <a:fontRef idx="minor">
-            <a:schemeClr val="tx1"/>
-          </a:fontRef>
-        </p:style>
-      </p:cxnSp>
-      <p:cxnSp>
-        <p:nvCxnSpPr>
-          <p:cNvPr id="35" name="Straight Connector 34">
-            <a:extLst>
-              <a:ext uri="{FF2B5EF4-FFF2-40B4-BE49-F238E27FC236}">
-                <a16:creationId xmlns:a16="http://schemas.microsoft.com/office/drawing/2014/main" id="{EBA543D2-0E5F-2F13-B6E2-71BA00015508}"/>
-              </a:ext>
-            </a:extLst>
-          </p:cNvPr>
-          <p:cNvCxnSpPr>
-            <a:cxnSpLocks/>
-          </p:cNvCxnSpPr>
-          <p:nvPr userDrawn="1"/>
-        </p:nvCxnSpPr>
-        <p:spPr>
-          <a:xfrm>
-            <a:off x="-106748" y="3657600"/>
-            <a:ext cx="36728" cy="0"/>
-          </a:xfrm>
-          <a:prstGeom prst="line">
-            <a:avLst/>
-          </a:prstGeom>
-          <a:ln/>
-        </p:spPr>
-        <p:style>
-          <a:lnRef idx="1">
-            <a:schemeClr val="dk1"/>
-          </a:lnRef>
-          <a:fillRef idx="0">
-            <a:schemeClr val="dk1"/>
-          </a:fillRef>
-          <a:effectRef idx="0">
-            <a:schemeClr val="dk1"/>
-          </a:effectRef>
-          <a:fontRef idx="minor">
-            <a:schemeClr val="tx1"/>
-          </a:fontRef>
-        </p:style>
-      </p:cxnSp>
-      <p:cxnSp>
-        <p:nvCxnSpPr>
-          <p:cNvPr id="36" name="Straight Connector 35">
-            <a:extLst>
-              <a:ext uri="{FF2B5EF4-FFF2-40B4-BE49-F238E27FC236}">
-                <a16:creationId xmlns:a16="http://schemas.microsoft.com/office/drawing/2014/main" id="{8E1D1090-7BB5-23A9-E84D-87544CB5DBE9}"/>
-              </a:ext>
-            </a:extLst>
-          </p:cNvPr>
-          <p:cNvCxnSpPr>
-            <a:cxnSpLocks/>
-          </p:cNvCxnSpPr>
-          <p:nvPr userDrawn="1"/>
-        </p:nvCxnSpPr>
-        <p:spPr>
-          <a:xfrm>
-            <a:off x="-106748" y="4114795"/>
-            <a:ext cx="36728" cy="0"/>
-          </a:xfrm>
-          <a:prstGeom prst="line">
-            <a:avLst/>
-          </a:prstGeom>
-          <a:ln/>
-        </p:spPr>
-        <p:style>
-          <a:lnRef idx="1">
-            <a:schemeClr val="dk1"/>
-          </a:lnRef>
-          <a:fillRef idx="0">
-            <a:schemeClr val="dk1"/>
-          </a:fillRef>
-          <a:effectRef idx="0">
-            <a:schemeClr val="dk1"/>
-          </a:effectRef>
-          <a:fontRef idx="minor">
-            <a:schemeClr val="tx1"/>
-          </a:fontRef>
-        </p:style>
-      </p:cxnSp>
-      <p:cxnSp>
-        <p:nvCxnSpPr>
-          <p:cNvPr id="37" name="Straight Connector 36">
-            <a:extLst>
-              <a:ext uri="{FF2B5EF4-FFF2-40B4-BE49-F238E27FC236}">
-                <a16:creationId xmlns:a16="http://schemas.microsoft.com/office/drawing/2014/main" id="{7648436F-99C7-9B51-266A-BF92CC987582}"/>
-              </a:ext>
-            </a:extLst>
-          </p:cNvPr>
-          <p:cNvCxnSpPr>
-            <a:cxnSpLocks/>
-          </p:cNvCxnSpPr>
-          <p:nvPr userDrawn="1"/>
-        </p:nvCxnSpPr>
-        <p:spPr>
-          <a:xfrm>
-            <a:off x="-106748" y="4571990"/>
-            <a:ext cx="36728" cy="0"/>
-          </a:xfrm>
-          <a:prstGeom prst="line">
-            <a:avLst/>
-          </a:prstGeom>
-          <a:ln/>
-        </p:spPr>
-        <p:style>
-          <a:lnRef idx="1">
-            <a:schemeClr val="dk1"/>
-          </a:lnRef>
-          <a:fillRef idx="0">
-            <a:schemeClr val="dk1"/>
-          </a:fillRef>
-          <a:effectRef idx="0">
-            <a:schemeClr val="dk1"/>
-          </a:effectRef>
-          <a:fontRef idx="minor">
-            <a:schemeClr val="tx1"/>
-          </a:fontRef>
-        </p:style>
-      </p:cxnSp>
-      <p:cxnSp>
-        <p:nvCxnSpPr>
-          <p:cNvPr id="38" name="Straight Connector 37">
-            <a:extLst>
-              <a:ext uri="{FF2B5EF4-FFF2-40B4-BE49-F238E27FC236}">
-                <a16:creationId xmlns:a16="http://schemas.microsoft.com/office/drawing/2014/main" id="{C84E039F-0CD7-EE88-E267-F54D8D3F35BB}"/>
-              </a:ext>
-            </a:extLst>
-          </p:cNvPr>
-          <p:cNvCxnSpPr>
-            <a:cxnSpLocks/>
-          </p:cNvCxnSpPr>
-          <p:nvPr userDrawn="1"/>
-        </p:nvCxnSpPr>
-        <p:spPr>
-          <a:xfrm>
-            <a:off x="-106748" y="5029185"/>
-            <a:ext cx="36728" cy="0"/>
-          </a:xfrm>
-          <a:prstGeom prst="line">
-            <a:avLst/>
-          </a:prstGeom>
-          <a:ln/>
-        </p:spPr>
-        <p:style>
-          <a:lnRef idx="1">
-            <a:schemeClr val="dk1"/>
-          </a:lnRef>
-          <a:fillRef idx="0">
-            <a:schemeClr val="dk1"/>
-          </a:fillRef>
-          <a:effectRef idx="0">
-            <a:schemeClr val="dk1"/>
-          </a:effectRef>
-          <a:fontRef idx="minor">
-            <a:schemeClr val="tx1"/>
-          </a:fontRef>
-        </p:style>
-      </p:cxnSp>
-      <p:cxnSp>
-        <p:nvCxnSpPr>
-          <p:cNvPr id="39" name="Straight Connector 38">
-            <a:extLst>
-              <a:ext uri="{FF2B5EF4-FFF2-40B4-BE49-F238E27FC236}">
-                <a16:creationId xmlns:a16="http://schemas.microsoft.com/office/drawing/2014/main" id="{A5192AE6-EBCC-50BE-6FD0-44473579A50C}"/>
-              </a:ext>
-            </a:extLst>
-          </p:cNvPr>
-          <p:cNvCxnSpPr>
-            <a:cxnSpLocks/>
-          </p:cNvCxnSpPr>
-          <p:nvPr userDrawn="1"/>
-        </p:nvCxnSpPr>
-        <p:spPr>
-          <a:xfrm>
-            <a:off x="-106748" y="5486380"/>
-            <a:ext cx="36728" cy="0"/>
-          </a:xfrm>
-          <a:prstGeom prst="line">
-            <a:avLst/>
-          </a:prstGeom>
-          <a:ln/>
-        </p:spPr>
-        <p:style>
-          <a:lnRef idx="1">
-            <a:schemeClr val="dk1"/>
-          </a:lnRef>
-          <a:fillRef idx="0">
-            <a:schemeClr val="dk1"/>
-          </a:fillRef>
-          <a:effectRef idx="0">
-            <a:schemeClr val="dk1"/>
-          </a:effectRef>
-          <a:fontRef idx="minor">
-            <a:schemeClr val="tx1"/>
-          </a:fontRef>
-        </p:style>
-      </p:cxnSp>
-      <p:cxnSp>
-        <p:nvCxnSpPr>
-          <p:cNvPr id="40" name="Straight Connector 39">
-            <a:extLst>
-              <a:ext uri="{FF2B5EF4-FFF2-40B4-BE49-F238E27FC236}">
-                <a16:creationId xmlns:a16="http://schemas.microsoft.com/office/drawing/2014/main" id="{BED6630B-EF9B-8BC8-F204-3CDECC95742B}"/>
-              </a:ext>
-            </a:extLst>
-          </p:cNvPr>
-          <p:cNvCxnSpPr>
-            <a:cxnSpLocks/>
-          </p:cNvCxnSpPr>
-          <p:nvPr userDrawn="1"/>
-        </p:nvCxnSpPr>
-        <p:spPr>
-          <a:xfrm>
-            <a:off x="-106748" y="5943575"/>
-            <a:ext cx="36728" cy="0"/>
-          </a:xfrm>
-          <a:prstGeom prst="line">
-            <a:avLst/>
-          </a:prstGeom>
-          <a:ln/>
-        </p:spPr>
-        <p:style>
-          <a:lnRef idx="1">
-            <a:schemeClr val="dk1"/>
-          </a:lnRef>
-          <a:fillRef idx="0">
-            <a:schemeClr val="dk1"/>
-          </a:fillRef>
-          <a:effectRef idx="0">
-            <a:schemeClr val="dk1"/>
-          </a:effectRef>
-          <a:fontRef idx="minor">
-            <a:schemeClr val="tx1"/>
-          </a:fontRef>
-        </p:style>
-      </p:cxnSp>
-      <p:cxnSp>
-        <p:nvCxnSpPr>
-          <p:cNvPr id="41" name="Straight Connector 40">
-            <a:extLst>
-              <a:ext uri="{FF2B5EF4-FFF2-40B4-BE49-F238E27FC236}">
-                <a16:creationId xmlns:a16="http://schemas.microsoft.com/office/drawing/2014/main" id="{9AA205EB-E8DD-8C96-41C6-215F8C9498BE}"/>
-              </a:ext>
-            </a:extLst>
-          </p:cNvPr>
-          <p:cNvCxnSpPr>
-            <a:cxnSpLocks/>
-          </p:cNvCxnSpPr>
-          <p:nvPr userDrawn="1"/>
-        </p:nvCxnSpPr>
-        <p:spPr>
-          <a:xfrm>
-            <a:off x="-106748" y="6400770"/>
-            <a:ext cx="36728" cy="0"/>
-          </a:xfrm>
-          <a:prstGeom prst="line">
-            <a:avLst/>
-          </a:prstGeom>
-          <a:ln/>
-        </p:spPr>
-        <p:style>
-          <a:lnRef idx="1">
-            <a:schemeClr val="dk1"/>
-          </a:lnRef>
-          <a:fillRef idx="0">
-            <a:schemeClr val="dk1"/>
-          </a:fillRef>
-          <a:effectRef idx="0">
-            <a:schemeClr val="dk1"/>
-          </a:effectRef>
-          <a:fontRef idx="minor">
-            <a:schemeClr val="tx1"/>
-          </a:fontRef>
-        </p:style>
-      </p:cxnSp>
-      <p:sp>
-        <p:nvSpPr>
-          <p:cNvPr id="43" name="TextBox 42">
-            <a:extLst>
-              <a:ext uri="{FF2B5EF4-FFF2-40B4-BE49-F238E27FC236}">
-                <a16:creationId xmlns:a16="http://schemas.microsoft.com/office/drawing/2014/main" id="{9F19142F-C016-8C02-DDB8-FE8E40A6027A}"/>
-              </a:ext>
-            </a:extLst>
-          </p:cNvPr>
-          <p:cNvSpPr txBox="1"/>
-          <p:nvPr userDrawn="1"/>
-        </p:nvSpPr>
-        <p:spPr>
-          <a:xfrm>
-            <a:off x="-320014" y="1260882"/>
-            <a:ext cx="300083" cy="215444"/>
-          </a:xfrm>
-          <a:prstGeom prst="rect">
-            <a:avLst/>
-          </a:prstGeom>
-          <a:noFill/>
-        </p:spPr>
-        <p:txBody>
-          <a:bodyPr wrap="none" rtlCol="0">
-            <a:spAutoFit/>
-          </a:bodyPr>
-          <a:lstStyle/>
-          <a:p>
-            <a:pPr algn="r"/>
-            <a:r>
-              <a:rPr lang="en-US" sz="800"/>
-              <a:t>15</a:t>
-            </a:r>
-          </a:p>
-        </p:txBody>
-      </p:sp>
-      <p:sp>
-        <p:nvSpPr>
-          <p:cNvPr id="44" name="TextBox 43">
-            <a:extLst>
-              <a:ext uri="{FF2B5EF4-FFF2-40B4-BE49-F238E27FC236}">
-                <a16:creationId xmlns:a16="http://schemas.microsoft.com/office/drawing/2014/main" id="{A70BCE57-401D-23F8-DE45-9C75116A8E50}"/>
-              </a:ext>
-            </a:extLst>
-          </p:cNvPr>
-          <p:cNvSpPr txBox="1"/>
-          <p:nvPr userDrawn="1"/>
-        </p:nvSpPr>
-        <p:spPr>
-          <a:xfrm>
-            <a:off x="-320013" y="1718400"/>
-            <a:ext cx="300082" cy="215444"/>
-          </a:xfrm>
-          <a:prstGeom prst="rect">
-            <a:avLst/>
-          </a:prstGeom>
-          <a:noFill/>
-        </p:spPr>
-        <p:txBody>
-          <a:bodyPr wrap="none" rtlCol="0">
-            <a:spAutoFit/>
-          </a:bodyPr>
-          <a:lstStyle/>
-          <a:p>
-            <a:pPr algn="r"/>
-            <a:r>
-              <a:rPr lang="en-US" sz="800"/>
-              <a:t>20</a:t>
-            </a:r>
-          </a:p>
-        </p:txBody>
-      </p:sp>
-      <p:sp>
-        <p:nvSpPr>
-          <p:cNvPr id="45" name="TextBox 44">
-            <a:extLst>
-              <a:ext uri="{FF2B5EF4-FFF2-40B4-BE49-F238E27FC236}">
-                <a16:creationId xmlns:a16="http://schemas.microsoft.com/office/drawing/2014/main" id="{548C8611-3879-1CC9-22FF-1E0C1DB6C151}"/>
-              </a:ext>
-            </a:extLst>
-          </p:cNvPr>
-          <p:cNvSpPr txBox="1"/>
-          <p:nvPr userDrawn="1"/>
-        </p:nvSpPr>
-        <p:spPr>
-          <a:xfrm>
-            <a:off x="-320014" y="2175918"/>
-            <a:ext cx="300083" cy="215444"/>
-          </a:xfrm>
-          <a:prstGeom prst="rect">
-            <a:avLst/>
-          </a:prstGeom>
-          <a:noFill/>
-        </p:spPr>
-        <p:txBody>
-          <a:bodyPr wrap="none" rtlCol="0">
-            <a:spAutoFit/>
-          </a:bodyPr>
-          <a:lstStyle/>
-          <a:p>
-            <a:pPr algn="r"/>
-            <a:r>
-              <a:rPr lang="en-US" sz="800"/>
-              <a:t>25</a:t>
-            </a:r>
-          </a:p>
-        </p:txBody>
-      </p:sp>
-      <p:sp>
-        <p:nvSpPr>
-          <p:cNvPr id="46" name="TextBox 45">
-            <a:extLst>
-              <a:ext uri="{FF2B5EF4-FFF2-40B4-BE49-F238E27FC236}">
-                <a16:creationId xmlns:a16="http://schemas.microsoft.com/office/drawing/2014/main" id="{30E2B133-6CC7-51BE-350D-14D3FCB72025}"/>
-              </a:ext>
-            </a:extLst>
-          </p:cNvPr>
-          <p:cNvSpPr txBox="1"/>
-          <p:nvPr userDrawn="1"/>
-        </p:nvSpPr>
-        <p:spPr>
-          <a:xfrm>
-            <a:off x="-320013" y="2633436"/>
-            <a:ext cx="300082" cy="215444"/>
-          </a:xfrm>
-          <a:prstGeom prst="rect">
-            <a:avLst/>
-          </a:prstGeom>
-          <a:noFill/>
-        </p:spPr>
-        <p:txBody>
-          <a:bodyPr wrap="none" rtlCol="0">
-            <a:spAutoFit/>
-          </a:bodyPr>
-          <a:lstStyle/>
-          <a:p>
-            <a:pPr algn="r"/>
-            <a:r>
-              <a:rPr lang="en-US" sz="800"/>
-              <a:t>30</a:t>
-            </a:r>
-          </a:p>
-        </p:txBody>
-      </p:sp>
-      <p:sp>
-        <p:nvSpPr>
-          <p:cNvPr id="47" name="TextBox 46">
-            <a:extLst>
-              <a:ext uri="{FF2B5EF4-FFF2-40B4-BE49-F238E27FC236}">
-                <a16:creationId xmlns:a16="http://schemas.microsoft.com/office/drawing/2014/main" id="{7CECFC70-65FA-9080-9A95-A337C0664420}"/>
-              </a:ext>
-            </a:extLst>
-          </p:cNvPr>
-          <p:cNvSpPr txBox="1"/>
-          <p:nvPr userDrawn="1"/>
-        </p:nvSpPr>
-        <p:spPr>
-          <a:xfrm>
-            <a:off x="-320014" y="3090954"/>
-            <a:ext cx="300083" cy="215444"/>
-          </a:xfrm>
-          <a:prstGeom prst="rect">
-            <a:avLst/>
-          </a:prstGeom>
-          <a:noFill/>
-        </p:spPr>
-        <p:txBody>
-          <a:bodyPr wrap="none" rtlCol="0">
-            <a:spAutoFit/>
-          </a:bodyPr>
-          <a:lstStyle/>
-          <a:p>
-            <a:pPr algn="r"/>
-            <a:r>
-              <a:rPr lang="en-US" sz="800"/>
-              <a:t>35</a:t>
-            </a:r>
-          </a:p>
-        </p:txBody>
-      </p:sp>
-      <p:sp>
-        <p:nvSpPr>
-          <p:cNvPr id="48" name="TextBox 47">
-            <a:extLst>
-              <a:ext uri="{FF2B5EF4-FFF2-40B4-BE49-F238E27FC236}">
-                <a16:creationId xmlns:a16="http://schemas.microsoft.com/office/drawing/2014/main" id="{9CC3A518-C732-A7DE-87DD-A00D288B5B02}"/>
-              </a:ext>
-            </a:extLst>
-          </p:cNvPr>
-          <p:cNvSpPr txBox="1"/>
-          <p:nvPr userDrawn="1"/>
-        </p:nvSpPr>
-        <p:spPr>
-          <a:xfrm>
-            <a:off x="-320013" y="3548472"/>
-            <a:ext cx="300082" cy="215444"/>
-          </a:xfrm>
-          <a:prstGeom prst="rect">
-            <a:avLst/>
-          </a:prstGeom>
-          <a:noFill/>
-        </p:spPr>
-        <p:txBody>
-          <a:bodyPr wrap="none" rtlCol="0">
-            <a:spAutoFit/>
-          </a:bodyPr>
-          <a:lstStyle/>
-          <a:p>
-            <a:pPr algn="r"/>
-            <a:r>
-              <a:rPr lang="en-US" sz="800"/>
-              <a:t>40</a:t>
-            </a:r>
-          </a:p>
-        </p:txBody>
-      </p:sp>
-      <p:sp>
-        <p:nvSpPr>
-          <p:cNvPr id="49" name="TextBox 48">
-            <a:extLst>
-              <a:ext uri="{FF2B5EF4-FFF2-40B4-BE49-F238E27FC236}">
-                <a16:creationId xmlns:a16="http://schemas.microsoft.com/office/drawing/2014/main" id="{9C46867E-7D4A-C27F-7A6F-A6BA5EB1C6A5}"/>
-              </a:ext>
-            </a:extLst>
-          </p:cNvPr>
-          <p:cNvSpPr txBox="1"/>
-          <p:nvPr userDrawn="1"/>
-        </p:nvSpPr>
-        <p:spPr>
-          <a:xfrm>
-            <a:off x="-320014" y="4005990"/>
-            <a:ext cx="300083" cy="215444"/>
-          </a:xfrm>
-          <a:prstGeom prst="rect">
-            <a:avLst/>
-          </a:prstGeom>
-          <a:noFill/>
-        </p:spPr>
-        <p:txBody>
-          <a:bodyPr wrap="none" rtlCol="0">
-            <a:spAutoFit/>
-          </a:bodyPr>
-          <a:lstStyle/>
-          <a:p>
-            <a:pPr algn="r"/>
-            <a:r>
-              <a:rPr lang="en-US" sz="800"/>
-              <a:t>45</a:t>
-            </a:r>
-          </a:p>
-        </p:txBody>
-      </p:sp>
-      <p:sp>
-        <p:nvSpPr>
-          <p:cNvPr id="50" name="TextBox 49">
-            <a:extLst>
-              <a:ext uri="{FF2B5EF4-FFF2-40B4-BE49-F238E27FC236}">
-                <a16:creationId xmlns:a16="http://schemas.microsoft.com/office/drawing/2014/main" id="{B0B628C0-CBF9-6EA0-95A8-3C8CF2896294}"/>
-              </a:ext>
-            </a:extLst>
-          </p:cNvPr>
-          <p:cNvSpPr txBox="1"/>
-          <p:nvPr userDrawn="1"/>
-        </p:nvSpPr>
-        <p:spPr>
-          <a:xfrm>
-            <a:off x="-320013" y="4463508"/>
-            <a:ext cx="300082" cy="215444"/>
-          </a:xfrm>
-          <a:prstGeom prst="rect">
-            <a:avLst/>
-          </a:prstGeom>
-          <a:noFill/>
-        </p:spPr>
-        <p:txBody>
-          <a:bodyPr wrap="none" rtlCol="0">
-            <a:spAutoFit/>
-          </a:bodyPr>
-          <a:lstStyle/>
-          <a:p>
-            <a:pPr algn="r"/>
-            <a:r>
-              <a:rPr lang="en-US" sz="800"/>
-              <a:t>50</a:t>
-            </a:r>
-          </a:p>
-        </p:txBody>
-      </p:sp>
-      <p:sp>
-        <p:nvSpPr>
-          <p:cNvPr id="51" name="TextBox 50">
-            <a:extLst>
-              <a:ext uri="{FF2B5EF4-FFF2-40B4-BE49-F238E27FC236}">
-                <a16:creationId xmlns:a16="http://schemas.microsoft.com/office/drawing/2014/main" id="{64295774-FB3D-2214-0049-32B89B52ABC6}"/>
-              </a:ext>
-            </a:extLst>
-          </p:cNvPr>
-          <p:cNvSpPr txBox="1"/>
-          <p:nvPr userDrawn="1"/>
-        </p:nvSpPr>
-        <p:spPr>
-          <a:xfrm>
-            <a:off x="-320014" y="4921026"/>
-            <a:ext cx="300083" cy="215444"/>
-          </a:xfrm>
-          <a:prstGeom prst="rect">
-            <a:avLst/>
-          </a:prstGeom>
-          <a:noFill/>
-        </p:spPr>
-        <p:txBody>
-          <a:bodyPr wrap="none" rtlCol="0">
-            <a:spAutoFit/>
-          </a:bodyPr>
-          <a:lstStyle/>
-          <a:p>
-            <a:pPr algn="r"/>
-            <a:r>
-              <a:rPr lang="en-US" sz="800"/>
-              <a:t>55</a:t>
-            </a:r>
-          </a:p>
-        </p:txBody>
-      </p:sp>
-      <p:sp>
-        <p:nvSpPr>
-          <p:cNvPr id="52" name="TextBox 51">
-            <a:extLst>
-              <a:ext uri="{FF2B5EF4-FFF2-40B4-BE49-F238E27FC236}">
-                <a16:creationId xmlns:a16="http://schemas.microsoft.com/office/drawing/2014/main" id="{58DB31D8-8EA1-7E55-1706-42F1022F0552}"/>
-              </a:ext>
-            </a:extLst>
-          </p:cNvPr>
-          <p:cNvSpPr txBox="1"/>
-          <p:nvPr userDrawn="1"/>
-        </p:nvSpPr>
-        <p:spPr>
-          <a:xfrm>
-            <a:off x="-320013" y="5378544"/>
-            <a:ext cx="300082" cy="215444"/>
-          </a:xfrm>
-          <a:prstGeom prst="rect">
-            <a:avLst/>
-          </a:prstGeom>
-          <a:noFill/>
-        </p:spPr>
-        <p:txBody>
-          <a:bodyPr wrap="none" rtlCol="0">
-            <a:spAutoFit/>
-          </a:bodyPr>
-          <a:lstStyle/>
-          <a:p>
-            <a:pPr algn="r"/>
-            <a:r>
-              <a:rPr lang="en-US" sz="800"/>
-              <a:t>60</a:t>
-            </a:r>
-          </a:p>
-        </p:txBody>
-      </p:sp>
-      <p:sp>
-        <p:nvSpPr>
-          <p:cNvPr id="53" name="TextBox 52">
-            <a:extLst>
-              <a:ext uri="{FF2B5EF4-FFF2-40B4-BE49-F238E27FC236}">
-                <a16:creationId xmlns:a16="http://schemas.microsoft.com/office/drawing/2014/main" id="{50855F45-D666-7F9C-46DC-C1BDF93DFCB9}"/>
-              </a:ext>
-            </a:extLst>
-          </p:cNvPr>
-          <p:cNvSpPr txBox="1"/>
-          <p:nvPr userDrawn="1"/>
-        </p:nvSpPr>
-        <p:spPr>
-          <a:xfrm>
-            <a:off x="-320014" y="5836062"/>
-            <a:ext cx="300083" cy="215444"/>
-          </a:xfrm>
-          <a:prstGeom prst="rect">
-            <a:avLst/>
-          </a:prstGeom>
-          <a:noFill/>
-        </p:spPr>
-        <p:txBody>
-          <a:bodyPr wrap="none" rtlCol="0">
-            <a:spAutoFit/>
-          </a:bodyPr>
-          <a:lstStyle/>
-          <a:p>
-            <a:pPr algn="r"/>
-            <a:r>
-              <a:rPr lang="en-US" sz="800"/>
-              <a:t>55</a:t>
-            </a:r>
-          </a:p>
-        </p:txBody>
-      </p:sp>
-      <p:sp>
-        <p:nvSpPr>
-          <p:cNvPr id="54" name="TextBox 53">
-            <a:extLst>
-              <a:ext uri="{FF2B5EF4-FFF2-40B4-BE49-F238E27FC236}">
-                <a16:creationId xmlns:a16="http://schemas.microsoft.com/office/drawing/2014/main" id="{B6488EDE-E7B0-FAC0-0322-9097E7B724A0}"/>
-              </a:ext>
-            </a:extLst>
-          </p:cNvPr>
-          <p:cNvSpPr txBox="1"/>
-          <p:nvPr userDrawn="1"/>
-        </p:nvSpPr>
-        <p:spPr>
-          <a:xfrm>
-            <a:off x="-320013" y="6293578"/>
-            <a:ext cx="300082" cy="215444"/>
-          </a:xfrm>
-          <a:prstGeom prst="rect">
-            <a:avLst/>
-          </a:prstGeom>
-          <a:noFill/>
-        </p:spPr>
-        <p:txBody>
-          <a:bodyPr wrap="none" rtlCol="0">
-            <a:spAutoFit/>
-          </a:bodyPr>
-          <a:lstStyle/>
-          <a:p>
-            <a:pPr algn="r"/>
-            <a:r>
-              <a:rPr lang="en-US" sz="800"/>
-              <a:t>70</a:t>
-            </a:r>
-          </a:p>
-        </p:txBody>
-      </p:sp>
-      <p:pic>
-        <p:nvPicPr>
-          <p:cNvPr id="5" name="Picture 4" descr="{luna bottom_system_bar}">
-            <a:extLst>
-              <a:ext uri="{FF2B5EF4-FFF2-40B4-BE49-F238E27FC236}">
-                <a16:creationId xmlns:a16="http://schemas.microsoft.com/office/drawing/2014/main" id="{EBD34449-A21E-1069-A183-2168ECDFBE0B}"/>
-              </a:ext>
-            </a:extLst>
-          </p:cNvPr>
-          <p:cNvPicPr>
-            <a:picLocks noChangeAspect="1"/>
-          </p:cNvPicPr>
-          <p:nvPr userDrawn="1"/>
-        </p:nvPicPr>
-        <p:blipFill rotWithShape="1">
-          <a:blip r:embed="rId19"/>
-          <a:srcRect t="92512"/>
-          <a:stretch/>
-        </p:blipFill>
-        <p:spPr>
-          <a:xfrm>
-            <a:off x="0" y="6765290"/>
-            <a:ext cx="4114800" cy="547590"/>
-          </a:xfrm>
-          <a:prstGeom prst="rect">
-            <a:avLst/>
-          </a:prstGeom>
-        </p:spPr>
-      </p:pic>
     </p:spTree>
     <p:extLst>
       <p:ext uri="{BB962C8B-B14F-4D97-AF65-F5344CB8AC3E}">
